--- a/Design/diagrammer og presentasjon/Sanntid presentasjon Design.pptx
+++ b/Design/diagrammer og presentasjon/Sanntid presentasjon Design.pptx
@@ -109,6 +109,11 @@
       </a:defRPr>
     </a:lvl9pPr>
   </p:defaultTextStyle>
+  <p:extLst>
+    <p:ext uri="{EFAFB233-063F-42B5-8137-9DF3F51BA10A}">
+      <p15:sldGuideLst xmlns:p15="http://schemas.microsoft.com/office/powerpoint/2012/main"/>
+    </p:ext>
+  </p:extLst>
 </p:presentation>
 </file>
 
@@ -2985,8 +2990,12 @@
           <a:lstStyle/>
           <a:p>
             <a:r>
-              <a:rPr lang="nb-NO" dirty="0" smtClean="0"/>
-              <a:t>Gruppe 4</a:t>
+              <a:rPr lang="nb-NO" smtClean="0"/>
+              <a:t>Gruppe </a:t>
+            </a:r>
+            <a:r>
+              <a:rPr lang="nb-NO" smtClean="0"/>
+              <a:t>21</a:t>
             </a:r>
             <a:endParaRPr lang="nb-NO" dirty="0"/>
           </a:p>
